--- a/The Kirilling Presentation.pptx
+++ b/The Kirilling Presentation.pptx
@@ -6577,7 +6577,7 @@
                 <a16:creationId xmlns:a16="http://schemas.microsoft.com/office/drawing/2014/main" id="{DD6BC9EB-F181-48AB-BCA2-3D1DB20D2D87}"/>
               </a:ext>
               <a:ext uri="{C183D7F6-B498-43B3-948B-1728B52AA6E4}">
-                <adec:decorative xmlns:adec="http://schemas.microsoft.com/office/drawing/2017/decorative" val="1"/>
+                <adec:decorative xmlns:adec="http://schemas.microsoft.com/office/drawing/2017/decorative" xmlns="" val="1"/>
               </a:ext>
             </a:extLst>
           </p:cNvPr>
@@ -6676,7 +6676,15 @@
                   <a:schemeClr val="bg1"/>
                 </a:solidFill>
               </a:rPr>
-              <a:t>Korab, Georgi, </a:t>
+              <a:t>Korab, </a:t>
+            </a:r>
+            <a:r>
+              <a:rPr lang="en-US" dirty="0" smtClean="0">
+                <a:solidFill>
+                  <a:schemeClr val="bg1"/>
+                </a:solidFill>
+              </a:rPr>
+              <a:t>George, </a:t>
             </a:r>
             <a:r>
               <a:rPr lang="en-US" dirty="0" err="1">
@@ -6743,7 +6751,7 @@
                 <a16:creationId xmlns:a16="http://schemas.microsoft.com/office/drawing/2014/main" id="{CDD733AE-DD5E-4C77-8BCD-72BF12A06BB1}"/>
               </a:ext>
               <a:ext uri="{C183D7F6-B498-43B3-948B-1728B52AA6E4}">
-                <adec:decorative xmlns:adec="http://schemas.microsoft.com/office/drawing/2017/decorative" val="1"/>
+                <adec:decorative xmlns:adec="http://schemas.microsoft.com/office/drawing/2017/decorative" xmlns="" val="1"/>
               </a:ext>
             </a:extLst>
           </p:cNvPr>
@@ -6774,7 +6782,7 @@
                   <a16:creationId xmlns:a16="http://schemas.microsoft.com/office/drawing/2014/main" id="{51DE90A4-932E-4370-BA07-30F43254C01B}"/>
                 </a:ext>
                 <a:ext uri="{C183D7F6-B498-43B3-948B-1728B52AA6E4}">
-                  <adec:decorative xmlns:adec="http://schemas.microsoft.com/office/drawing/2017/decorative" val="1"/>
+                  <adec:decorative xmlns:adec="http://schemas.microsoft.com/office/drawing/2017/decorative" xmlns="" val="1"/>
                 </a:ext>
               </a:extLst>
             </p:cNvPr>
@@ -6824,7 +6832,7 @@
                   <a16:creationId xmlns:a16="http://schemas.microsoft.com/office/drawing/2014/main" id="{6A19CA4A-B208-452A-8BE4-BC6940D33D40}"/>
                 </a:ext>
                 <a:ext uri="{C183D7F6-B498-43B3-948B-1728B52AA6E4}">
-                  <adec:decorative xmlns:adec="http://schemas.microsoft.com/office/drawing/2017/decorative" val="1"/>
+                  <adec:decorative xmlns:adec="http://schemas.microsoft.com/office/drawing/2017/decorative" xmlns="" val="1"/>
                 </a:ext>
               </a:extLst>
             </p:cNvPr>
@@ -6874,7 +6882,7 @@
                   <a16:creationId xmlns:a16="http://schemas.microsoft.com/office/drawing/2014/main" id="{B74F8D3E-E618-4DE3-A0CC-B4904BB5D5AB}"/>
                 </a:ext>
                 <a:ext uri="{C183D7F6-B498-43B3-948B-1728B52AA6E4}">
-                  <adec:decorative xmlns:adec="http://schemas.microsoft.com/office/drawing/2017/decorative" val="1"/>
+                  <adec:decorative xmlns:adec="http://schemas.microsoft.com/office/drawing/2017/decorative" xmlns="" val="1"/>
                 </a:ext>
               </a:extLst>
             </p:cNvPr>
@@ -6952,7 +6960,7 @@
                   <a16:creationId xmlns:a16="http://schemas.microsoft.com/office/drawing/2014/main" id="{299DA406-C54B-4E31-867D-FAF8DCE7045F}"/>
                 </a:ext>
                 <a:ext uri="{C183D7F6-B498-43B3-948B-1728B52AA6E4}">
-                  <adec:decorative xmlns:adec="http://schemas.microsoft.com/office/drawing/2017/decorative" val="1"/>
+                  <adec:decorative xmlns:adec="http://schemas.microsoft.com/office/drawing/2017/decorative" xmlns="" val="1"/>
                 </a:ext>
               </a:extLst>
             </p:cNvPr>
@@ -7030,7 +7038,7 @@
                   <a16:creationId xmlns:a16="http://schemas.microsoft.com/office/drawing/2014/main" id="{A1E16883-5140-47C4-A9AD-AD6598AC3EE6}"/>
                 </a:ext>
                 <a:ext uri="{C183D7F6-B498-43B3-948B-1728B52AA6E4}">
-                  <adec:decorative xmlns:adec="http://schemas.microsoft.com/office/drawing/2017/decorative" val="1"/>
+                  <adec:decorative xmlns:adec="http://schemas.microsoft.com/office/drawing/2017/decorative" xmlns="" val="1"/>
                 </a:ext>
               </a:extLst>
             </p:cNvPr>
@@ -7086,7 +7094,7 @@
                   <a16:creationId xmlns:a16="http://schemas.microsoft.com/office/drawing/2014/main" id="{4CD848DC-8A2A-4093-9BDD-7AF4B6A27814}"/>
                 </a:ext>
                 <a:ext uri="{C183D7F6-B498-43B3-948B-1728B52AA6E4}">
-                  <adec:decorative xmlns:adec="http://schemas.microsoft.com/office/drawing/2017/decorative" val="1"/>
+                  <adec:decorative xmlns:adec="http://schemas.microsoft.com/office/drawing/2017/decorative" xmlns="" val="1"/>
                 </a:ext>
               </a:extLst>
             </p:cNvPr>
@@ -7165,7 +7173,7 @@
                   <a16:creationId xmlns:a16="http://schemas.microsoft.com/office/drawing/2014/main" id="{34635A4D-E9CE-4B78-912A-479EA4512B14}"/>
                 </a:ext>
                 <a:ext uri="{C183D7F6-B498-43B3-948B-1728B52AA6E4}">
-                  <adec:decorative xmlns:adec="http://schemas.microsoft.com/office/drawing/2017/decorative" val="1"/>
+                  <adec:decorative xmlns:adec="http://schemas.microsoft.com/office/drawing/2017/decorative" xmlns="" val="1"/>
                 </a:ext>
               </a:extLst>
             </p:cNvPr>
@@ -7245,7 +7253,7 @@
                   <a16:creationId xmlns:a16="http://schemas.microsoft.com/office/drawing/2014/main" id="{D663A5EE-5581-44F3-8F98-688755F63EA2}"/>
                 </a:ext>
                 <a:ext uri="{C183D7F6-B498-43B3-948B-1728B52AA6E4}">
-                  <adec:decorative xmlns:adec="http://schemas.microsoft.com/office/drawing/2017/decorative" val="1"/>
+                  <adec:decorative xmlns:adec="http://schemas.microsoft.com/office/drawing/2017/decorative" xmlns="" val="1"/>
                 </a:ext>
               </a:extLst>
             </p:cNvPr>
@@ -7323,7 +7331,7 @@
                   <a16:creationId xmlns:a16="http://schemas.microsoft.com/office/drawing/2014/main" id="{B1E84E6A-F5AE-4F4D-98F2-82FE4FCC2656}"/>
                 </a:ext>
                 <a:ext uri="{C183D7F6-B498-43B3-948B-1728B52AA6E4}">
-                  <adec:decorative xmlns:adec="http://schemas.microsoft.com/office/drawing/2017/decorative" val="1"/>
+                  <adec:decorative xmlns:adec="http://schemas.microsoft.com/office/drawing/2017/decorative" xmlns="" val="1"/>
                 </a:ext>
               </a:extLst>
             </p:cNvPr>
@@ -7379,7 +7387,7 @@
                   <a16:creationId xmlns:a16="http://schemas.microsoft.com/office/drawing/2014/main" id="{DDE7DDC9-17D4-4686-833D-48F8733B49EE}"/>
                 </a:ext>
                 <a:ext uri="{C183D7F6-B498-43B3-948B-1728B52AA6E4}">
-                  <adec:decorative xmlns:adec="http://schemas.microsoft.com/office/drawing/2017/decorative" val="1"/>
+                  <adec:decorative xmlns:adec="http://schemas.microsoft.com/office/drawing/2017/decorative" xmlns="" val="1"/>
                 </a:ext>
               </a:extLst>
             </p:cNvPr>
@@ -7551,7 +7559,7 @@
                 <a16:creationId xmlns:a16="http://schemas.microsoft.com/office/drawing/2014/main" id="{CDD733AE-DD5E-4C77-8BCD-72BF12A06BB1}"/>
               </a:ext>
               <a:ext uri="{C183D7F6-B498-43B3-948B-1728B52AA6E4}">
-                <adec:decorative xmlns:adec="http://schemas.microsoft.com/office/drawing/2017/decorative" val="1"/>
+                <adec:decorative xmlns:adec="http://schemas.microsoft.com/office/drawing/2017/decorative" xmlns="" val="1"/>
               </a:ext>
             </a:extLst>
           </p:cNvPr>
@@ -7582,7 +7590,7 @@
                   <a16:creationId xmlns:a16="http://schemas.microsoft.com/office/drawing/2014/main" id="{51DE90A4-932E-4370-BA07-30F43254C01B}"/>
                 </a:ext>
                 <a:ext uri="{C183D7F6-B498-43B3-948B-1728B52AA6E4}">
-                  <adec:decorative xmlns:adec="http://schemas.microsoft.com/office/drawing/2017/decorative" val="1"/>
+                  <adec:decorative xmlns:adec="http://schemas.microsoft.com/office/drawing/2017/decorative" xmlns="" val="1"/>
                 </a:ext>
               </a:extLst>
             </p:cNvPr>
@@ -7632,7 +7640,7 @@
                   <a16:creationId xmlns:a16="http://schemas.microsoft.com/office/drawing/2014/main" id="{6A19CA4A-B208-452A-8BE4-BC6940D33D40}"/>
                 </a:ext>
                 <a:ext uri="{C183D7F6-B498-43B3-948B-1728B52AA6E4}">
-                  <adec:decorative xmlns:adec="http://schemas.microsoft.com/office/drawing/2017/decorative" val="1"/>
+                  <adec:decorative xmlns:adec="http://schemas.microsoft.com/office/drawing/2017/decorative" xmlns="" val="1"/>
                 </a:ext>
               </a:extLst>
             </p:cNvPr>
@@ -7682,7 +7690,7 @@
                   <a16:creationId xmlns:a16="http://schemas.microsoft.com/office/drawing/2014/main" id="{B74F8D3E-E618-4DE3-A0CC-B4904BB5D5AB}"/>
                 </a:ext>
                 <a:ext uri="{C183D7F6-B498-43B3-948B-1728B52AA6E4}">
-                  <adec:decorative xmlns:adec="http://schemas.microsoft.com/office/drawing/2017/decorative" val="1"/>
+                  <adec:decorative xmlns:adec="http://schemas.microsoft.com/office/drawing/2017/decorative" xmlns="" val="1"/>
                 </a:ext>
               </a:extLst>
             </p:cNvPr>
@@ -7760,7 +7768,7 @@
                   <a16:creationId xmlns:a16="http://schemas.microsoft.com/office/drawing/2014/main" id="{299DA406-C54B-4E31-867D-FAF8DCE7045F}"/>
                 </a:ext>
                 <a:ext uri="{C183D7F6-B498-43B3-948B-1728B52AA6E4}">
-                  <adec:decorative xmlns:adec="http://schemas.microsoft.com/office/drawing/2017/decorative" val="1"/>
+                  <adec:decorative xmlns:adec="http://schemas.microsoft.com/office/drawing/2017/decorative" xmlns="" val="1"/>
                 </a:ext>
               </a:extLst>
             </p:cNvPr>
@@ -7838,7 +7846,7 @@
                   <a16:creationId xmlns:a16="http://schemas.microsoft.com/office/drawing/2014/main" id="{A1E16883-5140-47C4-A9AD-AD6598AC3EE6}"/>
                 </a:ext>
                 <a:ext uri="{C183D7F6-B498-43B3-948B-1728B52AA6E4}">
-                  <adec:decorative xmlns:adec="http://schemas.microsoft.com/office/drawing/2017/decorative" val="1"/>
+                  <adec:decorative xmlns:adec="http://schemas.microsoft.com/office/drawing/2017/decorative" xmlns="" val="1"/>
                 </a:ext>
               </a:extLst>
             </p:cNvPr>
@@ -7894,7 +7902,7 @@
                   <a16:creationId xmlns:a16="http://schemas.microsoft.com/office/drawing/2014/main" id="{4CD848DC-8A2A-4093-9BDD-7AF4B6A27814}"/>
                 </a:ext>
                 <a:ext uri="{C183D7F6-B498-43B3-948B-1728B52AA6E4}">
-                  <adec:decorative xmlns:adec="http://schemas.microsoft.com/office/drawing/2017/decorative" val="1"/>
+                  <adec:decorative xmlns:adec="http://schemas.microsoft.com/office/drawing/2017/decorative" xmlns="" val="1"/>
                 </a:ext>
               </a:extLst>
             </p:cNvPr>
@@ -7973,7 +7981,7 @@
                   <a16:creationId xmlns:a16="http://schemas.microsoft.com/office/drawing/2014/main" id="{34635A4D-E9CE-4B78-912A-479EA4512B14}"/>
                 </a:ext>
                 <a:ext uri="{C183D7F6-B498-43B3-948B-1728B52AA6E4}">
-                  <adec:decorative xmlns:adec="http://schemas.microsoft.com/office/drawing/2017/decorative" val="1"/>
+                  <adec:decorative xmlns:adec="http://schemas.microsoft.com/office/drawing/2017/decorative" xmlns="" val="1"/>
                 </a:ext>
               </a:extLst>
             </p:cNvPr>
@@ -8053,7 +8061,7 @@
                   <a16:creationId xmlns:a16="http://schemas.microsoft.com/office/drawing/2014/main" id="{D663A5EE-5581-44F3-8F98-688755F63EA2}"/>
                 </a:ext>
                 <a:ext uri="{C183D7F6-B498-43B3-948B-1728B52AA6E4}">
-                  <adec:decorative xmlns:adec="http://schemas.microsoft.com/office/drawing/2017/decorative" val="1"/>
+                  <adec:decorative xmlns:adec="http://schemas.microsoft.com/office/drawing/2017/decorative" xmlns="" val="1"/>
                 </a:ext>
               </a:extLst>
             </p:cNvPr>
@@ -8131,7 +8139,7 @@
                   <a16:creationId xmlns:a16="http://schemas.microsoft.com/office/drawing/2014/main" id="{B1E84E6A-F5AE-4F4D-98F2-82FE4FCC2656}"/>
                 </a:ext>
                 <a:ext uri="{C183D7F6-B498-43B3-948B-1728B52AA6E4}">
-                  <adec:decorative xmlns:adec="http://schemas.microsoft.com/office/drawing/2017/decorative" val="1"/>
+                  <adec:decorative xmlns:adec="http://schemas.microsoft.com/office/drawing/2017/decorative" xmlns="" val="1"/>
                 </a:ext>
               </a:extLst>
             </p:cNvPr>
@@ -8187,7 +8195,7 @@
                   <a16:creationId xmlns:a16="http://schemas.microsoft.com/office/drawing/2014/main" id="{DDE7DDC9-17D4-4686-833D-48F8733B49EE}"/>
                 </a:ext>
                 <a:ext uri="{C183D7F6-B498-43B3-948B-1728B52AA6E4}">
-                  <adec:decorative xmlns:adec="http://schemas.microsoft.com/office/drawing/2017/decorative" val="1"/>
+                  <adec:decorative xmlns:adec="http://schemas.microsoft.com/office/drawing/2017/decorative" xmlns="" val="1"/>
                 </a:ext>
               </a:extLst>
             </p:cNvPr>
@@ -8422,7 +8430,7 @@
                 <a16:creationId xmlns:a16="http://schemas.microsoft.com/office/drawing/2014/main" id="{9F4444CE-BC8D-4D61-B303-4C05614E62AB}"/>
               </a:ext>
               <a:ext uri="{C183D7F6-B498-43B3-948B-1728B52AA6E4}">
-                <adec:decorative xmlns:adec="http://schemas.microsoft.com/office/drawing/2017/decorative" val="1"/>
+                <adec:decorative xmlns:adec="http://schemas.microsoft.com/office/drawing/2017/decorative" xmlns="" val="1"/>
               </a:ext>
             </a:extLst>
           </p:cNvPr>
@@ -8482,7 +8490,7 @@
                 <a16:creationId xmlns:a16="http://schemas.microsoft.com/office/drawing/2014/main" id="{62423CA5-E2E1-4789-B759-9906C1C94063}"/>
               </a:ext>
               <a:ext uri="{C183D7F6-B498-43B3-948B-1728B52AA6E4}">
-                <adec:decorative xmlns:adec="http://schemas.microsoft.com/office/drawing/2017/decorative" val="1"/>
+                <adec:decorative xmlns:adec="http://schemas.microsoft.com/office/drawing/2017/decorative" xmlns="" val="1"/>
               </a:ext>
             </a:extLst>
           </p:cNvPr>
@@ -8543,7 +8551,7 @@
                 <a16:creationId xmlns:a16="http://schemas.microsoft.com/office/drawing/2014/main" id="{73772B81-181F-48B7-8826-4D9686D15DF5}"/>
               </a:ext>
               <a:ext uri="{C183D7F6-B498-43B3-948B-1728B52AA6E4}">
-                <adec:decorative xmlns:adec="http://schemas.microsoft.com/office/drawing/2017/decorative" val="1"/>
+                <adec:decorative xmlns:adec="http://schemas.microsoft.com/office/drawing/2017/decorative" xmlns="" val="1"/>
               </a:ext>
             </a:extLst>
           </p:cNvPr>
@@ -8774,7 +8782,7 @@
                 <a16:creationId xmlns:a16="http://schemas.microsoft.com/office/drawing/2014/main" id="{B2205F6E-03C6-4E92-877C-E2482F6599AA}"/>
               </a:ext>
               <a:ext uri="{C183D7F6-B498-43B3-948B-1728B52AA6E4}">
-                <adec:decorative xmlns:adec="http://schemas.microsoft.com/office/drawing/2017/decorative" val="1"/>
+                <adec:decorative xmlns:adec="http://schemas.microsoft.com/office/drawing/2017/decorative" xmlns="" val="1"/>
               </a:ext>
             </a:extLst>
           </p:cNvPr>
@@ -8983,7 +8991,7 @@
                 <a16:creationId xmlns:a16="http://schemas.microsoft.com/office/drawing/2014/main" id="{CDD733AE-DD5E-4C77-8BCD-72BF12A06BB1}"/>
               </a:ext>
               <a:ext uri="{C183D7F6-B498-43B3-948B-1728B52AA6E4}">
-                <adec:decorative xmlns:adec="http://schemas.microsoft.com/office/drawing/2017/decorative" val="1"/>
+                <adec:decorative xmlns:adec="http://schemas.microsoft.com/office/drawing/2017/decorative" xmlns="" val="1"/>
               </a:ext>
             </a:extLst>
           </p:cNvPr>
@@ -9014,7 +9022,7 @@
                   <a16:creationId xmlns:a16="http://schemas.microsoft.com/office/drawing/2014/main" id="{51DE90A4-932E-4370-BA07-30F43254C01B}"/>
                 </a:ext>
                 <a:ext uri="{C183D7F6-B498-43B3-948B-1728B52AA6E4}">
-                  <adec:decorative xmlns:adec="http://schemas.microsoft.com/office/drawing/2017/decorative" val="1"/>
+                  <adec:decorative xmlns:adec="http://schemas.microsoft.com/office/drawing/2017/decorative" xmlns="" val="1"/>
                 </a:ext>
               </a:extLst>
             </p:cNvPr>
@@ -9064,7 +9072,7 @@
                   <a16:creationId xmlns:a16="http://schemas.microsoft.com/office/drawing/2014/main" id="{6A19CA4A-B208-452A-8BE4-BC6940D33D40}"/>
                 </a:ext>
                 <a:ext uri="{C183D7F6-B498-43B3-948B-1728B52AA6E4}">
-                  <adec:decorative xmlns:adec="http://schemas.microsoft.com/office/drawing/2017/decorative" val="1"/>
+                  <adec:decorative xmlns:adec="http://schemas.microsoft.com/office/drawing/2017/decorative" xmlns="" val="1"/>
                 </a:ext>
               </a:extLst>
             </p:cNvPr>
@@ -9114,7 +9122,7 @@
                   <a16:creationId xmlns:a16="http://schemas.microsoft.com/office/drawing/2014/main" id="{B74F8D3E-E618-4DE3-A0CC-B4904BB5D5AB}"/>
                 </a:ext>
                 <a:ext uri="{C183D7F6-B498-43B3-948B-1728B52AA6E4}">
-                  <adec:decorative xmlns:adec="http://schemas.microsoft.com/office/drawing/2017/decorative" val="1"/>
+                  <adec:decorative xmlns:adec="http://schemas.microsoft.com/office/drawing/2017/decorative" xmlns="" val="1"/>
                 </a:ext>
               </a:extLst>
             </p:cNvPr>
@@ -9192,7 +9200,7 @@
                   <a16:creationId xmlns:a16="http://schemas.microsoft.com/office/drawing/2014/main" id="{299DA406-C54B-4E31-867D-FAF8DCE7045F}"/>
                 </a:ext>
                 <a:ext uri="{C183D7F6-B498-43B3-948B-1728B52AA6E4}">
-                  <adec:decorative xmlns:adec="http://schemas.microsoft.com/office/drawing/2017/decorative" val="1"/>
+                  <adec:decorative xmlns:adec="http://schemas.microsoft.com/office/drawing/2017/decorative" xmlns="" val="1"/>
                 </a:ext>
               </a:extLst>
             </p:cNvPr>
@@ -9270,7 +9278,7 @@
                   <a16:creationId xmlns:a16="http://schemas.microsoft.com/office/drawing/2014/main" id="{A1E16883-5140-47C4-A9AD-AD6598AC3EE6}"/>
                 </a:ext>
                 <a:ext uri="{C183D7F6-B498-43B3-948B-1728B52AA6E4}">
-                  <adec:decorative xmlns:adec="http://schemas.microsoft.com/office/drawing/2017/decorative" val="1"/>
+                  <adec:decorative xmlns:adec="http://schemas.microsoft.com/office/drawing/2017/decorative" xmlns="" val="1"/>
                 </a:ext>
               </a:extLst>
             </p:cNvPr>
@@ -9326,7 +9334,7 @@
                   <a16:creationId xmlns:a16="http://schemas.microsoft.com/office/drawing/2014/main" id="{4CD848DC-8A2A-4093-9BDD-7AF4B6A27814}"/>
                 </a:ext>
                 <a:ext uri="{C183D7F6-B498-43B3-948B-1728B52AA6E4}">
-                  <adec:decorative xmlns:adec="http://schemas.microsoft.com/office/drawing/2017/decorative" val="1"/>
+                  <adec:decorative xmlns:adec="http://schemas.microsoft.com/office/drawing/2017/decorative" xmlns="" val="1"/>
                 </a:ext>
               </a:extLst>
             </p:cNvPr>
@@ -9405,7 +9413,7 @@
                   <a16:creationId xmlns:a16="http://schemas.microsoft.com/office/drawing/2014/main" id="{34635A4D-E9CE-4B78-912A-479EA4512B14}"/>
                 </a:ext>
                 <a:ext uri="{C183D7F6-B498-43B3-948B-1728B52AA6E4}">
-                  <adec:decorative xmlns:adec="http://schemas.microsoft.com/office/drawing/2017/decorative" val="1"/>
+                  <adec:decorative xmlns:adec="http://schemas.microsoft.com/office/drawing/2017/decorative" xmlns="" val="1"/>
                 </a:ext>
               </a:extLst>
             </p:cNvPr>
@@ -9485,7 +9493,7 @@
                   <a16:creationId xmlns:a16="http://schemas.microsoft.com/office/drawing/2014/main" id="{D663A5EE-5581-44F3-8F98-688755F63EA2}"/>
                 </a:ext>
                 <a:ext uri="{C183D7F6-B498-43B3-948B-1728B52AA6E4}">
-                  <adec:decorative xmlns:adec="http://schemas.microsoft.com/office/drawing/2017/decorative" val="1"/>
+                  <adec:decorative xmlns:adec="http://schemas.microsoft.com/office/drawing/2017/decorative" xmlns="" val="1"/>
                 </a:ext>
               </a:extLst>
             </p:cNvPr>
@@ -9563,7 +9571,7 @@
                   <a16:creationId xmlns:a16="http://schemas.microsoft.com/office/drawing/2014/main" id="{B1E84E6A-F5AE-4F4D-98F2-82FE4FCC2656}"/>
                 </a:ext>
                 <a:ext uri="{C183D7F6-B498-43B3-948B-1728B52AA6E4}">
-                  <adec:decorative xmlns:adec="http://schemas.microsoft.com/office/drawing/2017/decorative" val="1"/>
+                  <adec:decorative xmlns:adec="http://schemas.microsoft.com/office/drawing/2017/decorative" xmlns="" val="1"/>
                 </a:ext>
               </a:extLst>
             </p:cNvPr>
@@ -9619,7 +9627,7 @@
                   <a16:creationId xmlns:a16="http://schemas.microsoft.com/office/drawing/2014/main" id="{DDE7DDC9-17D4-4686-833D-48F8733B49EE}"/>
                 </a:ext>
                 <a:ext uri="{C183D7F6-B498-43B3-948B-1728B52AA6E4}">
-                  <adec:decorative xmlns:adec="http://schemas.microsoft.com/office/drawing/2017/decorative" val="1"/>
+                  <adec:decorative xmlns:adec="http://schemas.microsoft.com/office/drawing/2017/decorative" xmlns="" val="1"/>
                 </a:ext>
               </a:extLst>
             </p:cNvPr>
@@ -9791,7 +9799,7 @@
                 <a16:creationId xmlns:a16="http://schemas.microsoft.com/office/drawing/2014/main" id="{CDD733AE-DD5E-4C77-8BCD-72BF12A06BB1}"/>
               </a:ext>
               <a:ext uri="{C183D7F6-B498-43B3-948B-1728B52AA6E4}">
-                <adec:decorative xmlns:adec="http://schemas.microsoft.com/office/drawing/2017/decorative" val="1"/>
+                <adec:decorative xmlns:adec="http://schemas.microsoft.com/office/drawing/2017/decorative" xmlns="" val="1"/>
               </a:ext>
             </a:extLst>
           </p:cNvPr>
@@ -9822,7 +9830,7 @@
                   <a16:creationId xmlns:a16="http://schemas.microsoft.com/office/drawing/2014/main" id="{51DE90A4-932E-4370-BA07-30F43254C01B}"/>
                 </a:ext>
                 <a:ext uri="{C183D7F6-B498-43B3-948B-1728B52AA6E4}">
-                  <adec:decorative xmlns:adec="http://schemas.microsoft.com/office/drawing/2017/decorative" val="1"/>
+                  <adec:decorative xmlns:adec="http://schemas.microsoft.com/office/drawing/2017/decorative" xmlns="" val="1"/>
                 </a:ext>
               </a:extLst>
             </p:cNvPr>
@@ -9872,7 +9880,7 @@
                   <a16:creationId xmlns:a16="http://schemas.microsoft.com/office/drawing/2014/main" id="{6A19CA4A-B208-452A-8BE4-BC6940D33D40}"/>
                 </a:ext>
                 <a:ext uri="{C183D7F6-B498-43B3-948B-1728B52AA6E4}">
-                  <adec:decorative xmlns:adec="http://schemas.microsoft.com/office/drawing/2017/decorative" val="1"/>
+                  <adec:decorative xmlns:adec="http://schemas.microsoft.com/office/drawing/2017/decorative" xmlns="" val="1"/>
                 </a:ext>
               </a:extLst>
             </p:cNvPr>
@@ -9922,7 +9930,7 @@
                   <a16:creationId xmlns:a16="http://schemas.microsoft.com/office/drawing/2014/main" id="{B74F8D3E-E618-4DE3-A0CC-B4904BB5D5AB}"/>
                 </a:ext>
                 <a:ext uri="{C183D7F6-B498-43B3-948B-1728B52AA6E4}">
-                  <adec:decorative xmlns:adec="http://schemas.microsoft.com/office/drawing/2017/decorative" val="1"/>
+                  <adec:decorative xmlns:adec="http://schemas.microsoft.com/office/drawing/2017/decorative" xmlns="" val="1"/>
                 </a:ext>
               </a:extLst>
             </p:cNvPr>
@@ -10000,7 +10008,7 @@
                   <a16:creationId xmlns:a16="http://schemas.microsoft.com/office/drawing/2014/main" id="{299DA406-C54B-4E31-867D-FAF8DCE7045F}"/>
                 </a:ext>
                 <a:ext uri="{C183D7F6-B498-43B3-948B-1728B52AA6E4}">
-                  <adec:decorative xmlns:adec="http://schemas.microsoft.com/office/drawing/2017/decorative" val="1"/>
+                  <adec:decorative xmlns:adec="http://schemas.microsoft.com/office/drawing/2017/decorative" xmlns="" val="1"/>
                 </a:ext>
               </a:extLst>
             </p:cNvPr>
@@ -10078,7 +10086,7 @@
                   <a16:creationId xmlns:a16="http://schemas.microsoft.com/office/drawing/2014/main" id="{A1E16883-5140-47C4-A9AD-AD6598AC3EE6}"/>
                 </a:ext>
                 <a:ext uri="{C183D7F6-B498-43B3-948B-1728B52AA6E4}">
-                  <adec:decorative xmlns:adec="http://schemas.microsoft.com/office/drawing/2017/decorative" val="1"/>
+                  <adec:decorative xmlns:adec="http://schemas.microsoft.com/office/drawing/2017/decorative" xmlns="" val="1"/>
                 </a:ext>
               </a:extLst>
             </p:cNvPr>
@@ -10134,7 +10142,7 @@
                   <a16:creationId xmlns:a16="http://schemas.microsoft.com/office/drawing/2014/main" id="{4CD848DC-8A2A-4093-9BDD-7AF4B6A27814}"/>
                 </a:ext>
                 <a:ext uri="{C183D7F6-B498-43B3-948B-1728B52AA6E4}">
-                  <adec:decorative xmlns:adec="http://schemas.microsoft.com/office/drawing/2017/decorative" val="1"/>
+                  <adec:decorative xmlns:adec="http://schemas.microsoft.com/office/drawing/2017/decorative" xmlns="" val="1"/>
                 </a:ext>
               </a:extLst>
             </p:cNvPr>
@@ -10213,7 +10221,7 @@
                   <a16:creationId xmlns:a16="http://schemas.microsoft.com/office/drawing/2014/main" id="{34635A4D-E9CE-4B78-912A-479EA4512B14}"/>
                 </a:ext>
                 <a:ext uri="{C183D7F6-B498-43B3-948B-1728B52AA6E4}">
-                  <adec:decorative xmlns:adec="http://schemas.microsoft.com/office/drawing/2017/decorative" val="1"/>
+                  <adec:decorative xmlns:adec="http://schemas.microsoft.com/office/drawing/2017/decorative" xmlns="" val="1"/>
                 </a:ext>
               </a:extLst>
             </p:cNvPr>
@@ -10293,7 +10301,7 @@
                   <a16:creationId xmlns:a16="http://schemas.microsoft.com/office/drawing/2014/main" id="{D663A5EE-5581-44F3-8F98-688755F63EA2}"/>
                 </a:ext>
                 <a:ext uri="{C183D7F6-B498-43B3-948B-1728B52AA6E4}">
-                  <adec:decorative xmlns:adec="http://schemas.microsoft.com/office/drawing/2017/decorative" val="1"/>
+                  <adec:decorative xmlns:adec="http://schemas.microsoft.com/office/drawing/2017/decorative" xmlns="" val="1"/>
                 </a:ext>
               </a:extLst>
             </p:cNvPr>
@@ -10371,7 +10379,7 @@
                   <a16:creationId xmlns:a16="http://schemas.microsoft.com/office/drawing/2014/main" id="{B1E84E6A-F5AE-4F4D-98F2-82FE4FCC2656}"/>
                 </a:ext>
                 <a:ext uri="{C183D7F6-B498-43B3-948B-1728B52AA6E4}">
-                  <adec:decorative xmlns:adec="http://schemas.microsoft.com/office/drawing/2017/decorative" val="1"/>
+                  <adec:decorative xmlns:adec="http://schemas.microsoft.com/office/drawing/2017/decorative" xmlns="" val="1"/>
                 </a:ext>
               </a:extLst>
             </p:cNvPr>
@@ -10427,7 +10435,7 @@
                   <a16:creationId xmlns:a16="http://schemas.microsoft.com/office/drawing/2014/main" id="{DDE7DDC9-17D4-4686-833D-48F8733B49EE}"/>
                 </a:ext>
                 <a:ext uri="{C183D7F6-B498-43B3-948B-1728B52AA6E4}">
-                  <adec:decorative xmlns:adec="http://schemas.microsoft.com/office/drawing/2017/decorative" val="1"/>
+                  <adec:decorative xmlns:adec="http://schemas.microsoft.com/office/drawing/2017/decorative" xmlns="" val="1"/>
                 </a:ext>
               </a:extLst>
             </p:cNvPr>
@@ -10586,7 +10594,7 @@
                 <a16:creationId xmlns:a16="http://schemas.microsoft.com/office/drawing/2014/main" id="{28460BD8-AE3F-4AC9-9D0B-717052AA5D3A}"/>
               </a:ext>
               <a:ext uri="{C183D7F6-B498-43B3-948B-1728B52AA6E4}">
-                <adec:decorative xmlns:adec="http://schemas.microsoft.com/office/drawing/2017/decorative" val="1"/>
+                <adec:decorative xmlns:adec="http://schemas.microsoft.com/office/drawing/2017/decorative" xmlns="" val="1"/>
               </a:ext>
             </a:extLst>
           </p:cNvPr>
@@ -10617,7 +10625,7 @@
                   <a16:creationId xmlns:a16="http://schemas.microsoft.com/office/drawing/2014/main" id="{54420CFE-F482-466E-9E1E-C78513C0B85D}"/>
                 </a:ext>
                 <a:ext uri="{C183D7F6-B498-43B3-948B-1728B52AA6E4}">
-                  <adec:decorative xmlns:adec="http://schemas.microsoft.com/office/drawing/2017/decorative" val="1"/>
+                  <adec:decorative xmlns:adec="http://schemas.microsoft.com/office/drawing/2017/decorative" xmlns="" val="1"/>
                 </a:ext>
               </a:extLst>
             </p:cNvPr>
@@ -10669,7 +10677,7 @@
                   <a16:creationId xmlns:a16="http://schemas.microsoft.com/office/drawing/2014/main" id="{5331032B-BD21-4BDA-920C-12E358052567}"/>
                 </a:ext>
                 <a:ext uri="{C183D7F6-B498-43B3-948B-1728B52AA6E4}">
-                  <adec:decorative xmlns:adec="http://schemas.microsoft.com/office/drawing/2017/decorative" val="1"/>
+                  <adec:decorative xmlns:adec="http://schemas.microsoft.com/office/drawing/2017/decorative" xmlns="" val="1"/>
                 </a:ext>
               </a:extLst>
             </p:cNvPr>
@@ -10721,7 +10729,7 @@
                   <a16:creationId xmlns:a16="http://schemas.microsoft.com/office/drawing/2014/main" id="{E7514DA3-59E7-409E-8A3B-AD097F6E5644}"/>
                 </a:ext>
                 <a:ext uri="{C183D7F6-B498-43B3-948B-1728B52AA6E4}">
-                  <adec:decorative xmlns:adec="http://schemas.microsoft.com/office/drawing/2017/decorative" val="1"/>
+                  <adec:decorative xmlns:adec="http://schemas.microsoft.com/office/drawing/2017/decorative" xmlns="" val="1"/>
                 </a:ext>
               </a:extLst>
             </p:cNvPr>
@@ -10799,7 +10807,7 @@
                   <a16:creationId xmlns:a16="http://schemas.microsoft.com/office/drawing/2014/main" id="{57B9A2A6-3BE4-4599-9364-F71C5BFD61F8}"/>
                 </a:ext>
                 <a:ext uri="{C183D7F6-B498-43B3-948B-1728B52AA6E4}">
-                  <adec:decorative xmlns:adec="http://schemas.microsoft.com/office/drawing/2017/decorative" val="1"/>
+                  <adec:decorative xmlns:adec="http://schemas.microsoft.com/office/drawing/2017/decorative" xmlns="" val="1"/>
                 </a:ext>
               </a:extLst>
             </p:cNvPr>
@@ -10877,7 +10885,7 @@
                   <a16:creationId xmlns:a16="http://schemas.microsoft.com/office/drawing/2014/main" id="{4FD744C6-4ED8-4BC9-BF68-6BDF701C5DB4}"/>
                 </a:ext>
                 <a:ext uri="{C183D7F6-B498-43B3-948B-1728B52AA6E4}">
-                  <adec:decorative xmlns:adec="http://schemas.microsoft.com/office/drawing/2017/decorative" val="1"/>
+                  <adec:decorative xmlns:adec="http://schemas.microsoft.com/office/drawing/2017/decorative" xmlns="" val="1"/>
                 </a:ext>
               </a:extLst>
             </p:cNvPr>
@@ -10933,7 +10941,7 @@
                   <a16:creationId xmlns:a16="http://schemas.microsoft.com/office/drawing/2014/main" id="{092C5BAD-C911-4F8F-A1C5-470268BE668B}"/>
                 </a:ext>
                 <a:ext uri="{C183D7F6-B498-43B3-948B-1728B52AA6E4}">
-                  <adec:decorative xmlns:adec="http://schemas.microsoft.com/office/drawing/2017/decorative" val="1"/>
+                  <adec:decorative xmlns:adec="http://schemas.microsoft.com/office/drawing/2017/decorative" xmlns="" val="1"/>
                 </a:ext>
               </a:extLst>
             </p:cNvPr>
@@ -11012,7 +11020,7 @@
                   <a16:creationId xmlns:a16="http://schemas.microsoft.com/office/drawing/2014/main" id="{B133D0C8-4EC4-424F-8E70-0482D5B1B653}"/>
                 </a:ext>
                 <a:ext uri="{C183D7F6-B498-43B3-948B-1728B52AA6E4}">
-                  <adec:decorative xmlns:adec="http://schemas.microsoft.com/office/drawing/2017/decorative" val="1"/>
+                  <adec:decorative xmlns:adec="http://schemas.microsoft.com/office/drawing/2017/decorative" xmlns="" val="1"/>
                 </a:ext>
               </a:extLst>
             </p:cNvPr>
@@ -11092,7 +11100,7 @@
                   <a16:creationId xmlns:a16="http://schemas.microsoft.com/office/drawing/2014/main" id="{7B1532A0-F4B3-4DE8-B18F-740CAAD25AC4}"/>
                 </a:ext>
                 <a:ext uri="{C183D7F6-B498-43B3-948B-1728B52AA6E4}">
-                  <adec:decorative xmlns:adec="http://schemas.microsoft.com/office/drawing/2017/decorative" val="1"/>
+                  <adec:decorative xmlns:adec="http://schemas.microsoft.com/office/drawing/2017/decorative" xmlns="" val="1"/>
                 </a:ext>
               </a:extLst>
             </p:cNvPr>
@@ -11170,7 +11178,7 @@
                   <a16:creationId xmlns:a16="http://schemas.microsoft.com/office/drawing/2014/main" id="{8EFDD162-BBBA-4062-8BBF-53DBA1091374}"/>
                 </a:ext>
                 <a:ext uri="{C183D7F6-B498-43B3-948B-1728B52AA6E4}">
-                  <adec:decorative xmlns:adec="http://schemas.microsoft.com/office/drawing/2017/decorative" val="1"/>
+                  <adec:decorative xmlns:adec="http://schemas.microsoft.com/office/drawing/2017/decorative" xmlns="" val="1"/>
                 </a:ext>
               </a:extLst>
             </p:cNvPr>
@@ -11226,7 +11234,7 @@
                   <a16:creationId xmlns:a16="http://schemas.microsoft.com/office/drawing/2014/main" id="{DCFC9E65-3E19-4483-B952-25D29683CA56}"/>
                 </a:ext>
                 <a:ext uri="{C183D7F6-B498-43B3-948B-1728B52AA6E4}">
-                  <adec:decorative xmlns:adec="http://schemas.microsoft.com/office/drawing/2017/decorative" val="1"/>
+                  <adec:decorative xmlns:adec="http://schemas.microsoft.com/office/drawing/2017/decorative" xmlns="" val="1"/>
                 </a:ext>
               </a:extLst>
             </p:cNvPr>
@@ -11283,7 +11291,7 @@
                 <a16:creationId xmlns:a16="http://schemas.microsoft.com/office/drawing/2014/main" id="{2783C067-F8BF-4755-B516-8A0CD74CF60C}"/>
               </a:ext>
               <a:ext uri="{C183D7F6-B498-43B3-948B-1728B52AA6E4}">
-                <adec:decorative xmlns:adec="http://schemas.microsoft.com/office/drawing/2017/decorative" val="1"/>
+                <adec:decorative xmlns:adec="http://schemas.microsoft.com/office/drawing/2017/decorative" xmlns="" val="1"/>
               </a:ext>
             </a:extLst>
           </p:cNvPr>
@@ -11373,7 +11381,7 @@
                 <a16:creationId xmlns:a16="http://schemas.microsoft.com/office/drawing/2014/main" id="{2ED796EC-E7FF-46DB-B912-FB08BF12AA6E}"/>
               </a:ext>
               <a:ext uri="{C183D7F6-B498-43B3-948B-1728B52AA6E4}">
-                <adec:decorative xmlns:adec="http://schemas.microsoft.com/office/drawing/2017/decorative" val="1"/>
+                <adec:decorative xmlns:adec="http://schemas.microsoft.com/office/drawing/2017/decorative" xmlns="" val="1"/>
               </a:ext>
             </a:extLst>
           </p:cNvPr>
@@ -11429,7 +11437,7 @@
                 <a16:creationId xmlns:a16="http://schemas.microsoft.com/office/drawing/2014/main" id="{549A2DAB-B431-487D-95AD-BB0FECB49E57}"/>
               </a:ext>
               <a:ext uri="{C183D7F6-B498-43B3-948B-1728B52AA6E4}">
-                <adec:decorative xmlns:adec="http://schemas.microsoft.com/office/drawing/2017/decorative" val="1"/>
+                <adec:decorative xmlns:adec="http://schemas.microsoft.com/office/drawing/2017/decorative" xmlns="" val="1"/>
               </a:ext>
             </a:extLst>
           </p:cNvPr>
@@ -11487,7 +11495,7 @@
                 <a16:creationId xmlns:a16="http://schemas.microsoft.com/office/drawing/2014/main" id="{C5ECDEE1-7093-418F-9CF5-24EEB115C1C1}"/>
               </a:ext>
               <a:ext uri="{C183D7F6-B498-43B3-948B-1728B52AA6E4}">
-                <adec:decorative xmlns:adec="http://schemas.microsoft.com/office/drawing/2017/decorative" val="1"/>
+                <adec:decorative xmlns:adec="http://schemas.microsoft.com/office/drawing/2017/decorative" xmlns="" val="1"/>
               </a:ext>
             </a:extLst>
           </p:cNvPr>
@@ -11540,7 +11548,7 @@
                 <a16:creationId xmlns:a16="http://schemas.microsoft.com/office/drawing/2014/main" id="{045062AF-EB11-4651-BC4A-4DA21768DE8E}"/>
               </a:ext>
               <a:ext uri="{C183D7F6-B498-43B3-948B-1728B52AA6E4}">
-                <adec:decorative xmlns:adec="http://schemas.microsoft.com/office/drawing/2017/decorative" val="1"/>
+                <adec:decorative xmlns:adec="http://schemas.microsoft.com/office/drawing/2017/decorative" xmlns="" val="1"/>
               </a:ext>
             </a:extLst>
           </p:cNvPr>
@@ -11592,7 +11600,7 @@
                 <a16:creationId xmlns:a16="http://schemas.microsoft.com/office/drawing/2014/main" id="{0819F787-32B4-46A8-BC57-C6571BCEE243}"/>
               </a:ext>
               <a:ext uri="{C183D7F6-B498-43B3-948B-1728B52AA6E4}">
-                <adec:decorative xmlns:adec="http://schemas.microsoft.com/office/drawing/2017/decorative" val="1"/>
+                <adec:decorative xmlns:adec="http://schemas.microsoft.com/office/drawing/2017/decorative" xmlns="" val="1"/>
               </a:ext>
             </a:extLst>
           </p:cNvPr>
